--- a/project03 화면설계서/0221 발표용 project03 - 화면 설계서 - 용승.pptx
+++ b/project03 화면설계서/0221 발표용 project03 - 화면 설계서 - 용승.pptx
@@ -5,10 +5,14 @@
     <p:sldMasterId id="2147483648" r:id="rId1"/>
   </p:sldMasterIdLst>
   <p:notesMasterIdLst>
-    <p:notesMasterId r:id="rId3"/>
+    <p:notesMasterId r:id="rId7"/>
   </p:notesMasterIdLst>
   <p:sldIdLst>
     <p:sldId id="256" r:id="rId2"/>
+    <p:sldId id="257" r:id="rId3"/>
+    <p:sldId id="258" r:id="rId4"/>
+    <p:sldId id="259" r:id="rId5"/>
+    <p:sldId id="260" r:id="rId6"/>
   </p:sldIdLst>
   <p:sldSz cx="12192000" cy="6858000"/>
   <p:notesSz cx="6858000" cy="9144000"/>
@@ -312,7 +316,18 @@
   </p:defaultTextStyle>
   <p:extLst>
     <p:ext uri="{EFAFB233-063F-42B5-8137-9DF3F51BA10A}">
-      <p15:sldGuideLst xmlns:p15="http://schemas.microsoft.com/office/powerpoint/2012/main" xmlns=""/>
+      <p15:sldGuideLst xmlns:p15="http://schemas.microsoft.com/office/powerpoint/2012/main">
+        <p15:guide id="1" orient="horz" pos="2160">
+          <p15:clr>
+            <a:srgbClr val="A4A3A4"/>
+          </p15:clr>
+        </p15:guide>
+        <p15:guide id="2" pos="3840">
+          <p15:clr>
+            <a:srgbClr val="A4A3A4"/>
+          </p15:clr>
+        </p15:guide>
+      </p15:sldGuideLst>
     </p:ext>
   </p:extLst>
 </p:presentation>
@@ -1727,7 +1742,7 @@
           </a:ln>
           <a:extLst>
             <a:ext uri="{C572A759-6A51-4108-AA02-DFA0A04FC94B}">
-              <ma14:wrappingTextBoxFlag xmlns:ma14="http://schemas.microsoft.com/office/mac/drawingml/2011/main" xmlns:a14="http://schemas.microsoft.com/office/drawing/2010/main" xmlns:m="http://schemas.openxmlformats.org/officeDocument/2006/math" xmlns="" val="1"/>
+              <ma14:wrappingTextBoxFlag xmlns="" xmlns:m="http://schemas.openxmlformats.org/officeDocument/2006/math" xmlns:a14="http://schemas.microsoft.com/office/drawing/2010/main" xmlns:ma14="http://schemas.microsoft.com/office/mac/drawingml/2011/main" val="1"/>
             </a:ext>
           </a:extLst>
         </p:spPr>
@@ -1766,7 +1781,7 @@
           </a:ln>
           <a:extLst>
             <a:ext uri="{C572A759-6A51-4108-AA02-DFA0A04FC94B}">
-              <ma14:wrappingTextBoxFlag xmlns:ma14="http://schemas.microsoft.com/office/mac/drawingml/2011/main" xmlns:a14="http://schemas.microsoft.com/office/drawing/2010/main" xmlns:m="http://schemas.openxmlformats.org/officeDocument/2006/math" xmlns="" val="1"/>
+              <ma14:wrappingTextBoxFlag xmlns="" xmlns:m="http://schemas.openxmlformats.org/officeDocument/2006/math" xmlns:a14="http://schemas.microsoft.com/office/drawing/2010/main" xmlns:ma14="http://schemas.microsoft.com/office/mac/drawingml/2011/main" val="1"/>
             </a:ext>
           </a:extLst>
         </p:spPr>
@@ -2613,8 +2628,10 @@
           <a:lstStyle/>
           <a:p>
             <a:r>
-              <a:t>화면 설계서!!!!</a:t>
+              <a:rPr lang="ko-KR" altLang="en-US" dirty="0" err="1" smtClean="0"/>
+              <a:t>용승용승용승용승용승용승용승용승용승용승용승</a:t>
             </a:r>
+            <a:endParaRPr dirty="0"/>
           </a:p>
         </p:txBody>
       </p:sp>
@@ -2642,22 +2659,1112 @@
           <a:lstStyle/>
           <a:p>
             <a:r>
+              <a:rPr dirty="0"/>
               <a:t>프로젝트3</a:t>
             </a:r>
           </a:p>
           <a:p>
             <a:r>
-              <a:t>크라우드 fun딩딩디리이딩디이딩딩</a:t>
+              <a:rPr dirty="0" err="1"/>
+              <a:t>크라우드</a:t>
             </a:r>
-          </a:p>
-          <a:p>
             <a:r>
+              <a:rPr dirty="0"/>
+              <a:t> </a:t>
+            </a:r>
+            <a:r>
+              <a:rPr dirty="0" err="1"/>
+              <a:t>fun딩딩디리이딩디이딩딩</a:t>
+            </a:r>
+            <a:endParaRPr dirty="0"/>
+          </a:p>
+          <a:p>
+            <a:r>
+              <a:rPr dirty="0"/>
               <a:t>2조오오오오오으아아으아으아으아ㅡ아으ㅏ으아</a:t>
             </a:r>
           </a:p>
         </p:txBody>
       </p:sp>
     </p:spTree>
+  </p:cSld>
+  <p:clrMapOvr>
+    <a:masterClrMapping/>
+  </p:clrMapOvr>
+  <p:transition spd="med"/>
+</p:sld>
+</file>
+
+<file path=ppt/slides/slide2.xml><?xml version="1.0" encoding="utf-8"?>
+<p:sld xmlns:a="http://schemas.openxmlformats.org/drawingml/2006/main" xmlns:r="http://schemas.openxmlformats.org/officeDocument/2006/relationships" xmlns:p="http://schemas.openxmlformats.org/presentationml/2006/main">
+  <p:cSld>
+    <p:spTree>
+      <p:nvGrpSpPr>
+        <p:cNvPr id="1" name=""/>
+        <p:cNvGrpSpPr/>
+        <p:nvPr/>
+      </p:nvGrpSpPr>
+      <p:grpSpPr>
+        <a:xfrm>
+          <a:off x="0" y="0"/>
+          <a:ext cx="0" cy="0"/>
+          <a:chOff x="0" y="0"/>
+          <a:chExt cx="0" cy="0"/>
+        </a:xfrm>
+      </p:grpSpPr>
+      <p:pic>
+        <p:nvPicPr>
+          <p:cNvPr id="9" name="그림 8"/>
+          <p:cNvPicPr>
+            <a:picLocks noChangeAspect="1"/>
+          </p:cNvPicPr>
+          <p:nvPr/>
+        </p:nvPicPr>
+        <p:blipFill>
+          <a:blip r:embed="rId2"/>
+          <a:stretch>
+            <a:fillRect/>
+          </a:stretch>
+        </p:blipFill>
+        <p:spPr>
+          <a:xfrm>
+            <a:off x="3150896" y="162963"/>
+            <a:ext cx="4509191" cy="6618082"/>
+          </a:xfrm>
+          <a:prstGeom prst="rect">
+            <a:avLst/>
+          </a:prstGeom>
+        </p:spPr>
+      </p:pic>
+      <p:pic>
+        <p:nvPicPr>
+          <p:cNvPr id="5" name="그림 4"/>
+          <p:cNvPicPr>
+            <a:picLocks noChangeAspect="1"/>
+          </p:cNvPicPr>
+          <p:nvPr/>
+        </p:nvPicPr>
+        <p:blipFill>
+          <a:blip r:embed="rId3"/>
+          <a:stretch>
+            <a:fillRect/>
+          </a:stretch>
+        </p:blipFill>
+        <p:spPr>
+          <a:xfrm>
+            <a:off x="142498" y="2302365"/>
+            <a:ext cx="3487941" cy="3069974"/>
+          </a:xfrm>
+          <a:prstGeom prst="rect">
+            <a:avLst/>
+          </a:prstGeom>
+        </p:spPr>
+      </p:pic>
+      <p:sp>
+        <p:nvSpPr>
+          <p:cNvPr id="6" name="오른쪽 화살표 5"/>
+          <p:cNvSpPr/>
+          <p:nvPr/>
+        </p:nvSpPr>
+        <p:spPr>
+          <a:xfrm>
+            <a:off x="3739081" y="3585172"/>
+            <a:ext cx="470780" cy="416122"/>
+          </a:xfrm>
+          <a:prstGeom prst="rightArrow">
+            <a:avLst/>
+          </a:prstGeom>
+          <a:solidFill>
+            <a:srgbClr val="FF0000"/>
+          </a:solidFill>
+          <a:ln w="12700" cap="flat">
+            <a:solidFill>
+              <a:srgbClr val="FF0000"/>
+            </a:solidFill>
+            <a:prstDash val="solid"/>
+            <a:miter lim="800000"/>
+          </a:ln>
+          <a:effectLst/>
+          <a:sp3d/>
+        </p:spPr>
+        <p:style>
+          <a:lnRef idx="0">
+            <a:scrgbClr r="0" g="0" b="0"/>
+          </a:lnRef>
+          <a:fillRef idx="0">
+            <a:scrgbClr r="0" g="0" b="0"/>
+          </a:fillRef>
+          <a:effectRef idx="0">
+            <a:scrgbClr r="0" g="0" b="0"/>
+          </a:effectRef>
+          <a:fontRef idx="none"/>
+        </p:style>
+        <p:txBody>
+          <a:bodyPr rot="0" spcFirstLastPara="1" vertOverflow="overflow" horzOverflow="overflow" vert="horz" wrap="square" lIns="45719" tIns="45719" rIns="45719" bIns="45719" numCol="1" spcCol="38100" rtlCol="0" anchor="ctr">
+            <a:spAutoFit/>
+          </a:bodyPr>
+          <a:lstStyle/>
+          <a:p>
+            <a:pPr marL="0" marR="0" indent="0" algn="l" defTabSz="914400" rtl="0" fontAlgn="auto" latinLnBrk="0" hangingPunct="0">
+              <a:lnSpc>
+                <a:spcPct val="100000"/>
+              </a:lnSpc>
+              <a:spcBef>
+                <a:spcPts val="0"/>
+              </a:spcBef>
+              <a:spcAft>
+                <a:spcPts val="0"/>
+              </a:spcAft>
+              <a:buClrTx/>
+              <a:buSzTx/>
+              <a:buFontTx/>
+              <a:buNone/>
+              <a:tabLst/>
+            </a:pPr>
+            <a:endParaRPr kumimoji="0" lang="ko-KR" altLang="en-US" sz="1800" b="0" i="0" u="none" strike="noStrike" cap="none" spc="0" normalizeH="0" baseline="0">
+              <a:ln>
+                <a:noFill/>
+              </a:ln>
+              <a:solidFill>
+                <a:srgbClr val="000000"/>
+              </a:solidFill>
+              <a:effectLst/>
+              <a:uFillTx/>
+              <a:latin typeface="+mn-lt"/>
+              <a:ea typeface="+mn-ea"/>
+              <a:cs typeface="+mn-cs"/>
+              <a:sym typeface="맑은 고딕"/>
+            </a:endParaRPr>
+          </a:p>
+        </p:txBody>
+      </p:sp>
+      <p:pic>
+        <p:nvPicPr>
+          <p:cNvPr id="7" name="그림 6"/>
+          <p:cNvPicPr>
+            <a:picLocks noChangeAspect="1"/>
+          </p:cNvPicPr>
+          <p:nvPr/>
+        </p:nvPicPr>
+        <p:blipFill>
+          <a:blip r:embed="rId4"/>
+          <a:stretch>
+            <a:fillRect/>
+          </a:stretch>
+        </p:blipFill>
+        <p:spPr>
+          <a:xfrm>
+            <a:off x="6764588" y="400844"/>
+            <a:ext cx="5099459" cy="685572"/>
+          </a:xfrm>
+          <a:prstGeom prst="rect">
+            <a:avLst/>
+          </a:prstGeom>
+        </p:spPr>
+      </p:pic>
+      <p:pic>
+        <p:nvPicPr>
+          <p:cNvPr id="8" name="그림 7"/>
+          <p:cNvPicPr>
+            <a:picLocks noChangeAspect="1"/>
+          </p:cNvPicPr>
+          <p:nvPr/>
+        </p:nvPicPr>
+        <p:blipFill>
+          <a:blip r:embed="rId5"/>
+          <a:stretch>
+            <a:fillRect/>
+          </a:stretch>
+        </p:blipFill>
+        <p:spPr>
+          <a:xfrm>
+            <a:off x="6764588" y="2797176"/>
+            <a:ext cx="5099459" cy="787996"/>
+          </a:xfrm>
+          <a:prstGeom prst="rect">
+            <a:avLst/>
+          </a:prstGeom>
+        </p:spPr>
+      </p:pic>
+    </p:spTree>
+    <p:extLst>
+      <p:ext uri="{BB962C8B-B14F-4D97-AF65-F5344CB8AC3E}">
+        <p14:creationId xmlns:p14="http://schemas.microsoft.com/office/powerpoint/2010/main" val="2077367490"/>
+      </p:ext>
+    </p:extLst>
+  </p:cSld>
+  <p:clrMapOvr>
+    <a:masterClrMapping/>
+  </p:clrMapOvr>
+  <p:transition spd="med"/>
+</p:sld>
+</file>
+
+<file path=ppt/slides/slide3.xml><?xml version="1.0" encoding="utf-8"?>
+<p:sld xmlns:a="http://schemas.openxmlformats.org/drawingml/2006/main" xmlns:r="http://schemas.openxmlformats.org/officeDocument/2006/relationships" xmlns:p="http://schemas.openxmlformats.org/presentationml/2006/main">
+  <p:cSld>
+    <p:spTree>
+      <p:nvGrpSpPr>
+        <p:cNvPr id="1" name=""/>
+        <p:cNvGrpSpPr/>
+        <p:nvPr/>
+      </p:nvGrpSpPr>
+      <p:grpSpPr>
+        <a:xfrm>
+          <a:off x="0" y="0"/>
+          <a:ext cx="0" cy="0"/>
+          <a:chOff x="0" y="0"/>
+          <a:chExt cx="0" cy="0"/>
+        </a:xfrm>
+      </p:grpSpPr>
+      <p:pic>
+        <p:nvPicPr>
+          <p:cNvPr id="9" name="그림 8"/>
+          <p:cNvPicPr>
+            <a:picLocks noChangeAspect="1"/>
+          </p:cNvPicPr>
+          <p:nvPr/>
+        </p:nvPicPr>
+        <p:blipFill>
+          <a:blip r:embed="rId2"/>
+          <a:stretch>
+            <a:fillRect/>
+          </a:stretch>
+        </p:blipFill>
+        <p:spPr>
+          <a:xfrm>
+            <a:off x="0" y="1062231"/>
+            <a:ext cx="12192000" cy="4733538"/>
+          </a:xfrm>
+          <a:prstGeom prst="rect">
+            <a:avLst/>
+          </a:prstGeom>
+        </p:spPr>
+      </p:pic>
+      <p:pic>
+        <p:nvPicPr>
+          <p:cNvPr id="2" name="그림 1"/>
+          <p:cNvPicPr>
+            <a:picLocks noChangeAspect="1"/>
+          </p:cNvPicPr>
+          <p:nvPr/>
+        </p:nvPicPr>
+        <p:blipFill>
+          <a:blip r:embed="rId3"/>
+          <a:stretch>
+            <a:fillRect/>
+          </a:stretch>
+        </p:blipFill>
+        <p:spPr>
+          <a:xfrm>
+            <a:off x="108179" y="2709334"/>
+            <a:ext cx="2418077" cy="717172"/>
+          </a:xfrm>
+          <a:prstGeom prst="rect">
+            <a:avLst/>
+          </a:prstGeom>
+        </p:spPr>
+      </p:pic>
+      <p:pic>
+        <p:nvPicPr>
+          <p:cNvPr id="5" name="그림 4"/>
+          <p:cNvPicPr>
+            <a:picLocks noChangeAspect="1"/>
+          </p:cNvPicPr>
+          <p:nvPr/>
+        </p:nvPicPr>
+        <p:blipFill>
+          <a:blip r:embed="rId4"/>
+          <a:stretch>
+            <a:fillRect/>
+          </a:stretch>
+        </p:blipFill>
+        <p:spPr>
+          <a:xfrm>
+            <a:off x="6096000" y="385716"/>
+            <a:ext cx="5551581" cy="2131148"/>
+          </a:xfrm>
+          <a:prstGeom prst="rect">
+            <a:avLst/>
+          </a:prstGeom>
+        </p:spPr>
+      </p:pic>
+      <p:sp>
+        <p:nvSpPr>
+          <p:cNvPr id="6" name="오른쪽 화살표 5"/>
+          <p:cNvSpPr/>
+          <p:nvPr/>
+        </p:nvSpPr>
+        <p:spPr>
+          <a:xfrm rot="2124478">
+            <a:off x="1394232" y="3793233"/>
+            <a:ext cx="470780" cy="416122"/>
+          </a:xfrm>
+          <a:prstGeom prst="rightArrow">
+            <a:avLst/>
+          </a:prstGeom>
+          <a:solidFill>
+            <a:srgbClr val="FF0000"/>
+          </a:solidFill>
+          <a:ln w="12700" cap="flat">
+            <a:solidFill>
+              <a:srgbClr val="FF0000"/>
+            </a:solidFill>
+            <a:prstDash val="solid"/>
+            <a:miter lim="800000"/>
+          </a:ln>
+          <a:effectLst/>
+          <a:sp3d/>
+        </p:spPr>
+        <p:style>
+          <a:lnRef idx="0">
+            <a:scrgbClr r="0" g="0" b="0"/>
+          </a:lnRef>
+          <a:fillRef idx="0">
+            <a:scrgbClr r="0" g="0" b="0"/>
+          </a:fillRef>
+          <a:effectRef idx="0">
+            <a:scrgbClr r="0" g="0" b="0"/>
+          </a:effectRef>
+          <a:fontRef idx="none"/>
+        </p:style>
+        <p:txBody>
+          <a:bodyPr rot="0" spcFirstLastPara="1" vertOverflow="overflow" horzOverflow="overflow" vert="horz" wrap="square" lIns="45719" tIns="45719" rIns="45719" bIns="45719" numCol="1" spcCol="38100" rtlCol="0" anchor="ctr">
+            <a:spAutoFit/>
+          </a:bodyPr>
+          <a:lstStyle/>
+          <a:p>
+            <a:pPr marL="0" marR="0" indent="0" algn="l" defTabSz="914400" rtl="0" fontAlgn="auto" latinLnBrk="0" hangingPunct="0">
+              <a:lnSpc>
+                <a:spcPct val="100000"/>
+              </a:lnSpc>
+              <a:spcBef>
+                <a:spcPts val="0"/>
+              </a:spcBef>
+              <a:spcAft>
+                <a:spcPts val="0"/>
+              </a:spcAft>
+              <a:buClrTx/>
+              <a:buSzTx/>
+              <a:buFontTx/>
+              <a:buNone/>
+              <a:tabLst/>
+            </a:pPr>
+            <a:endParaRPr kumimoji="0" lang="ko-KR" altLang="en-US" sz="1800" b="0" i="0" u="none" strike="noStrike" cap="none" spc="0" normalizeH="0" baseline="0">
+              <a:ln>
+                <a:noFill/>
+              </a:ln>
+              <a:solidFill>
+                <a:srgbClr val="000000"/>
+              </a:solidFill>
+              <a:effectLst/>
+              <a:uFillTx/>
+              <a:latin typeface="+mn-lt"/>
+              <a:ea typeface="+mn-ea"/>
+              <a:cs typeface="+mn-cs"/>
+              <a:sym typeface="맑은 고딕"/>
+            </a:endParaRPr>
+          </a:p>
+        </p:txBody>
+      </p:sp>
+      <p:pic>
+        <p:nvPicPr>
+          <p:cNvPr id="7" name="그림 6"/>
+          <p:cNvPicPr>
+            <a:picLocks noChangeAspect="1"/>
+          </p:cNvPicPr>
+          <p:nvPr/>
+        </p:nvPicPr>
+        <p:blipFill>
+          <a:blip r:embed="rId5"/>
+          <a:stretch>
+            <a:fillRect/>
+          </a:stretch>
+        </p:blipFill>
+        <p:spPr>
+          <a:xfrm>
+            <a:off x="3810243" y="524583"/>
+            <a:ext cx="1991976" cy="2206390"/>
+          </a:xfrm>
+          <a:prstGeom prst="rect">
+            <a:avLst/>
+          </a:prstGeom>
+        </p:spPr>
+      </p:pic>
+      <p:pic>
+        <p:nvPicPr>
+          <p:cNvPr id="10" name="그림 9"/>
+          <p:cNvPicPr>
+            <a:picLocks noChangeAspect="1"/>
+          </p:cNvPicPr>
+          <p:nvPr/>
+        </p:nvPicPr>
+        <p:blipFill>
+          <a:blip r:embed="rId6"/>
+          <a:stretch>
+            <a:fillRect/>
+          </a:stretch>
+        </p:blipFill>
+        <p:spPr>
+          <a:xfrm>
+            <a:off x="4894199" y="4071089"/>
+            <a:ext cx="5210175" cy="942975"/>
+          </a:xfrm>
+          <a:prstGeom prst="rect">
+            <a:avLst/>
+          </a:prstGeom>
+        </p:spPr>
+      </p:pic>
+      <p:pic>
+        <p:nvPicPr>
+          <p:cNvPr id="11" name="그림 10"/>
+          <p:cNvPicPr>
+            <a:picLocks noChangeAspect="1"/>
+          </p:cNvPicPr>
+          <p:nvPr/>
+        </p:nvPicPr>
+        <p:blipFill>
+          <a:blip r:embed="rId7"/>
+          <a:stretch>
+            <a:fillRect/>
+          </a:stretch>
+        </p:blipFill>
+        <p:spPr>
+          <a:xfrm>
+            <a:off x="4894199" y="5201782"/>
+            <a:ext cx="4191000" cy="800100"/>
+          </a:xfrm>
+          <a:prstGeom prst="rect">
+            <a:avLst/>
+          </a:prstGeom>
+        </p:spPr>
+      </p:pic>
+    </p:spTree>
+    <p:extLst>
+      <p:ext uri="{BB962C8B-B14F-4D97-AF65-F5344CB8AC3E}">
+        <p14:creationId xmlns:p14="http://schemas.microsoft.com/office/powerpoint/2010/main" val="2863736711"/>
+      </p:ext>
+    </p:extLst>
+  </p:cSld>
+  <p:clrMapOvr>
+    <a:masterClrMapping/>
+  </p:clrMapOvr>
+  <p:transition spd="med"/>
+</p:sld>
+</file>
+
+<file path=ppt/slides/slide4.xml><?xml version="1.0" encoding="utf-8"?>
+<p:sld xmlns:a="http://schemas.openxmlformats.org/drawingml/2006/main" xmlns:r="http://schemas.openxmlformats.org/officeDocument/2006/relationships" xmlns:p="http://schemas.openxmlformats.org/presentationml/2006/main">
+  <p:cSld>
+    <p:spTree>
+      <p:nvGrpSpPr>
+        <p:cNvPr id="1" name=""/>
+        <p:cNvGrpSpPr/>
+        <p:nvPr/>
+      </p:nvGrpSpPr>
+      <p:grpSpPr>
+        <a:xfrm>
+          <a:off x="0" y="0"/>
+          <a:ext cx="0" cy="0"/>
+          <a:chOff x="0" y="0"/>
+          <a:chExt cx="0" cy="0"/>
+        </a:xfrm>
+      </p:grpSpPr>
+      <p:pic>
+        <p:nvPicPr>
+          <p:cNvPr id="4" name="그림 3"/>
+          <p:cNvPicPr>
+            <a:picLocks noChangeAspect="1"/>
+          </p:cNvPicPr>
+          <p:nvPr/>
+        </p:nvPicPr>
+        <p:blipFill>
+          <a:blip r:embed="rId2"/>
+          <a:stretch>
+            <a:fillRect/>
+          </a:stretch>
+        </p:blipFill>
+        <p:spPr>
+          <a:xfrm>
+            <a:off x="4400068" y="0"/>
+            <a:ext cx="3391863" cy="6858000"/>
+          </a:xfrm>
+          <a:prstGeom prst="rect">
+            <a:avLst/>
+          </a:prstGeom>
+        </p:spPr>
+      </p:pic>
+      <p:pic>
+        <p:nvPicPr>
+          <p:cNvPr id="5" name="그림 4"/>
+          <p:cNvPicPr>
+            <a:picLocks noChangeAspect="1"/>
+          </p:cNvPicPr>
+          <p:nvPr/>
+        </p:nvPicPr>
+        <p:blipFill>
+          <a:blip r:embed="rId3"/>
+          <a:stretch>
+            <a:fillRect/>
+          </a:stretch>
+        </p:blipFill>
+        <p:spPr>
+          <a:xfrm>
+            <a:off x="557449" y="3429000"/>
+            <a:ext cx="2838450" cy="2762250"/>
+          </a:xfrm>
+          <a:prstGeom prst="rect">
+            <a:avLst/>
+          </a:prstGeom>
+        </p:spPr>
+      </p:pic>
+      <p:sp>
+        <p:nvSpPr>
+          <p:cNvPr id="7" name="오른쪽 화살표 6"/>
+          <p:cNvSpPr/>
+          <p:nvPr/>
+        </p:nvSpPr>
+        <p:spPr>
+          <a:xfrm>
+            <a:off x="3662593" y="4689526"/>
+            <a:ext cx="1190064" cy="416122"/>
+          </a:xfrm>
+          <a:prstGeom prst="rightArrow">
+            <a:avLst/>
+          </a:prstGeom>
+          <a:solidFill>
+            <a:srgbClr val="FF0000"/>
+          </a:solidFill>
+          <a:ln w="12700" cap="flat">
+            <a:solidFill>
+              <a:srgbClr val="FF0000"/>
+            </a:solidFill>
+            <a:prstDash val="solid"/>
+            <a:miter lim="800000"/>
+          </a:ln>
+          <a:effectLst/>
+          <a:sp3d/>
+        </p:spPr>
+        <p:style>
+          <a:lnRef idx="0">
+            <a:scrgbClr r="0" g="0" b="0"/>
+          </a:lnRef>
+          <a:fillRef idx="0">
+            <a:scrgbClr r="0" g="0" b="0"/>
+          </a:fillRef>
+          <a:effectRef idx="0">
+            <a:scrgbClr r="0" g="0" b="0"/>
+          </a:effectRef>
+          <a:fontRef idx="none"/>
+        </p:style>
+        <p:txBody>
+          <a:bodyPr rot="0" spcFirstLastPara="1" vertOverflow="overflow" horzOverflow="overflow" vert="horz" wrap="square" lIns="45719" tIns="45719" rIns="45719" bIns="45719" numCol="1" spcCol="38100" rtlCol="0" anchor="ctr">
+            <a:spAutoFit/>
+          </a:bodyPr>
+          <a:lstStyle/>
+          <a:p>
+            <a:pPr marL="0" marR="0" indent="0" algn="l" defTabSz="914400" rtl="0" fontAlgn="auto" latinLnBrk="0" hangingPunct="0">
+              <a:lnSpc>
+                <a:spcPct val="100000"/>
+              </a:lnSpc>
+              <a:spcBef>
+                <a:spcPts val="0"/>
+              </a:spcBef>
+              <a:spcAft>
+                <a:spcPts val="0"/>
+              </a:spcAft>
+              <a:buClrTx/>
+              <a:buSzTx/>
+              <a:buFontTx/>
+              <a:buNone/>
+              <a:tabLst/>
+            </a:pPr>
+            <a:endParaRPr kumimoji="0" lang="ko-KR" altLang="en-US" sz="1800" b="0" i="0" u="none" strike="noStrike" cap="none" spc="0" normalizeH="0" baseline="0">
+              <a:ln>
+                <a:noFill/>
+              </a:ln>
+              <a:solidFill>
+                <a:srgbClr val="000000"/>
+              </a:solidFill>
+              <a:effectLst/>
+              <a:uFillTx/>
+              <a:latin typeface="+mn-lt"/>
+              <a:ea typeface="+mn-ea"/>
+              <a:cs typeface="+mn-cs"/>
+              <a:sym typeface="맑은 고딕"/>
+            </a:endParaRPr>
+          </a:p>
+        </p:txBody>
+      </p:sp>
+      <p:pic>
+        <p:nvPicPr>
+          <p:cNvPr id="8" name="그림 7"/>
+          <p:cNvPicPr>
+            <a:picLocks noChangeAspect="1"/>
+          </p:cNvPicPr>
+          <p:nvPr/>
+        </p:nvPicPr>
+        <p:blipFill>
+          <a:blip r:embed="rId4"/>
+          <a:stretch>
+            <a:fillRect/>
+          </a:stretch>
+        </p:blipFill>
+        <p:spPr>
+          <a:xfrm>
+            <a:off x="8331498" y="991872"/>
+            <a:ext cx="2771775" cy="4276725"/>
+          </a:xfrm>
+          <a:prstGeom prst="rect">
+            <a:avLst/>
+          </a:prstGeom>
+        </p:spPr>
+      </p:pic>
+      <p:sp>
+        <p:nvSpPr>
+          <p:cNvPr id="9" name="오른쪽 화살표 8"/>
+          <p:cNvSpPr/>
+          <p:nvPr/>
+        </p:nvSpPr>
+        <p:spPr>
+          <a:xfrm rot="10800000">
+            <a:off x="7141434" y="3130234"/>
+            <a:ext cx="1190064" cy="416122"/>
+          </a:xfrm>
+          <a:prstGeom prst="rightArrow">
+            <a:avLst/>
+          </a:prstGeom>
+          <a:solidFill>
+            <a:srgbClr val="FF0000"/>
+          </a:solidFill>
+          <a:ln w="12700" cap="flat">
+            <a:solidFill>
+              <a:srgbClr val="FF0000"/>
+            </a:solidFill>
+            <a:prstDash val="solid"/>
+            <a:miter lim="800000"/>
+          </a:ln>
+          <a:effectLst/>
+          <a:sp3d/>
+        </p:spPr>
+        <p:style>
+          <a:lnRef idx="0">
+            <a:scrgbClr r="0" g="0" b="0"/>
+          </a:lnRef>
+          <a:fillRef idx="0">
+            <a:scrgbClr r="0" g="0" b="0"/>
+          </a:fillRef>
+          <a:effectRef idx="0">
+            <a:scrgbClr r="0" g="0" b="0"/>
+          </a:effectRef>
+          <a:fontRef idx="none"/>
+        </p:style>
+        <p:txBody>
+          <a:bodyPr rot="0" spcFirstLastPara="1" vertOverflow="overflow" horzOverflow="overflow" vert="horz" wrap="square" lIns="45719" tIns="45719" rIns="45719" bIns="45719" numCol="1" spcCol="38100" rtlCol="0" anchor="ctr">
+            <a:spAutoFit/>
+          </a:bodyPr>
+          <a:lstStyle/>
+          <a:p>
+            <a:pPr marL="0" marR="0" indent="0" algn="l" defTabSz="914400" rtl="0" fontAlgn="auto" latinLnBrk="0" hangingPunct="0">
+              <a:lnSpc>
+                <a:spcPct val="100000"/>
+              </a:lnSpc>
+              <a:spcBef>
+                <a:spcPts val="0"/>
+              </a:spcBef>
+              <a:spcAft>
+                <a:spcPts val="0"/>
+              </a:spcAft>
+              <a:buClrTx/>
+              <a:buSzTx/>
+              <a:buFontTx/>
+              <a:buNone/>
+              <a:tabLst/>
+            </a:pPr>
+            <a:endParaRPr kumimoji="0" lang="ko-KR" altLang="en-US" sz="1800" b="0" i="0" u="none" strike="noStrike" cap="none" spc="0" normalizeH="0" baseline="0">
+              <a:ln>
+                <a:noFill/>
+              </a:ln>
+              <a:solidFill>
+                <a:srgbClr val="000000"/>
+              </a:solidFill>
+              <a:effectLst/>
+              <a:uFillTx/>
+              <a:latin typeface="+mn-lt"/>
+              <a:ea typeface="+mn-ea"/>
+              <a:cs typeface="+mn-cs"/>
+              <a:sym typeface="맑은 고딕"/>
+            </a:endParaRPr>
+          </a:p>
+        </p:txBody>
+      </p:sp>
+    </p:spTree>
+    <p:extLst>
+      <p:ext uri="{BB962C8B-B14F-4D97-AF65-F5344CB8AC3E}">
+        <p14:creationId xmlns:p14="http://schemas.microsoft.com/office/powerpoint/2010/main" val="3282689163"/>
+      </p:ext>
+    </p:extLst>
+  </p:cSld>
+  <p:clrMapOvr>
+    <a:masterClrMapping/>
+  </p:clrMapOvr>
+  <p:transition spd="med"/>
+</p:sld>
+</file>
+
+<file path=ppt/slides/slide5.xml><?xml version="1.0" encoding="utf-8"?>
+<p:sld xmlns:a="http://schemas.openxmlformats.org/drawingml/2006/main" xmlns:r="http://schemas.openxmlformats.org/officeDocument/2006/relationships" xmlns:p="http://schemas.openxmlformats.org/presentationml/2006/main">
+  <p:cSld>
+    <p:spTree>
+      <p:nvGrpSpPr>
+        <p:cNvPr id="1" name=""/>
+        <p:cNvGrpSpPr/>
+        <p:nvPr/>
+      </p:nvGrpSpPr>
+      <p:grpSpPr>
+        <a:xfrm>
+          <a:off x="0" y="0"/>
+          <a:ext cx="0" cy="0"/>
+          <a:chOff x="0" y="0"/>
+          <a:chExt cx="0" cy="0"/>
+        </a:xfrm>
+      </p:grpSpPr>
+      <p:pic>
+        <p:nvPicPr>
+          <p:cNvPr id="4" name="그림 3"/>
+          <p:cNvPicPr>
+            <a:picLocks noChangeAspect="1"/>
+          </p:cNvPicPr>
+          <p:nvPr/>
+        </p:nvPicPr>
+        <p:blipFill>
+          <a:blip r:embed="rId2"/>
+          <a:stretch>
+            <a:fillRect/>
+          </a:stretch>
+        </p:blipFill>
+        <p:spPr>
+          <a:xfrm>
+            <a:off x="4393954" y="0"/>
+            <a:ext cx="3404092" cy="6858000"/>
+          </a:xfrm>
+          <a:prstGeom prst="rect">
+            <a:avLst/>
+          </a:prstGeom>
+        </p:spPr>
+      </p:pic>
+      <p:pic>
+        <p:nvPicPr>
+          <p:cNvPr id="5" name="그림 4"/>
+          <p:cNvPicPr>
+            <a:picLocks noChangeAspect="1"/>
+          </p:cNvPicPr>
+          <p:nvPr/>
+        </p:nvPicPr>
+        <p:blipFill>
+          <a:blip r:embed="rId3"/>
+          <a:stretch>
+            <a:fillRect/>
+          </a:stretch>
+        </p:blipFill>
+        <p:spPr>
+          <a:xfrm>
+            <a:off x="434095" y="243877"/>
+            <a:ext cx="3067050" cy="2857500"/>
+          </a:xfrm>
+          <a:prstGeom prst="rect">
+            <a:avLst/>
+          </a:prstGeom>
+        </p:spPr>
+      </p:pic>
+      <p:sp>
+        <p:nvSpPr>
+          <p:cNvPr id="6" name="오른쪽 화살표 5"/>
+          <p:cNvSpPr/>
+          <p:nvPr/>
+        </p:nvSpPr>
+        <p:spPr>
+          <a:xfrm>
+            <a:off x="3648544" y="1937547"/>
+            <a:ext cx="950616" cy="416122"/>
+          </a:xfrm>
+          <a:prstGeom prst="rightArrow">
+            <a:avLst/>
+          </a:prstGeom>
+          <a:solidFill>
+            <a:srgbClr val="FF0000"/>
+          </a:solidFill>
+          <a:ln w="12700" cap="flat">
+            <a:solidFill>
+              <a:srgbClr val="FF0000"/>
+            </a:solidFill>
+            <a:prstDash val="solid"/>
+            <a:miter lim="800000"/>
+          </a:ln>
+          <a:effectLst/>
+          <a:sp3d/>
+        </p:spPr>
+        <p:style>
+          <a:lnRef idx="0">
+            <a:scrgbClr r="0" g="0" b="0"/>
+          </a:lnRef>
+          <a:fillRef idx="0">
+            <a:scrgbClr r="0" g="0" b="0"/>
+          </a:fillRef>
+          <a:effectRef idx="0">
+            <a:scrgbClr r="0" g="0" b="0"/>
+          </a:effectRef>
+          <a:fontRef idx="none"/>
+        </p:style>
+        <p:txBody>
+          <a:bodyPr rot="0" spcFirstLastPara="1" vertOverflow="overflow" horzOverflow="overflow" vert="horz" wrap="square" lIns="45719" tIns="45719" rIns="45719" bIns="45719" numCol="1" spcCol="38100" rtlCol="0" anchor="ctr">
+            <a:spAutoFit/>
+          </a:bodyPr>
+          <a:lstStyle/>
+          <a:p>
+            <a:pPr marL="0" marR="0" indent="0" algn="l" defTabSz="914400" rtl="0" fontAlgn="auto" latinLnBrk="0" hangingPunct="0">
+              <a:lnSpc>
+                <a:spcPct val="100000"/>
+              </a:lnSpc>
+              <a:spcBef>
+                <a:spcPts val="0"/>
+              </a:spcBef>
+              <a:spcAft>
+                <a:spcPts val="0"/>
+              </a:spcAft>
+              <a:buClrTx/>
+              <a:buSzTx/>
+              <a:buFontTx/>
+              <a:buNone/>
+              <a:tabLst/>
+            </a:pPr>
+            <a:endParaRPr kumimoji="0" lang="ko-KR" altLang="en-US" sz="1800" b="0" i="0" u="none" strike="noStrike" cap="none" spc="0" normalizeH="0" baseline="0">
+              <a:ln>
+                <a:noFill/>
+              </a:ln>
+              <a:solidFill>
+                <a:srgbClr val="000000"/>
+              </a:solidFill>
+              <a:effectLst/>
+              <a:uFillTx/>
+              <a:latin typeface="+mn-lt"/>
+              <a:ea typeface="+mn-ea"/>
+              <a:cs typeface="+mn-cs"/>
+              <a:sym typeface="맑은 고딕"/>
+            </a:endParaRPr>
+          </a:p>
+        </p:txBody>
+      </p:sp>
+      <p:pic>
+        <p:nvPicPr>
+          <p:cNvPr id="7" name="그림 6"/>
+          <p:cNvPicPr>
+            <a:picLocks noChangeAspect="1"/>
+          </p:cNvPicPr>
+          <p:nvPr/>
+        </p:nvPicPr>
+        <p:blipFill>
+          <a:blip r:embed="rId4"/>
+          <a:stretch>
+            <a:fillRect/>
+          </a:stretch>
+        </p:blipFill>
+        <p:spPr>
+          <a:xfrm>
+            <a:off x="434095" y="3320028"/>
+            <a:ext cx="2562225" cy="2390775"/>
+          </a:xfrm>
+          <a:prstGeom prst="rect">
+            <a:avLst/>
+          </a:prstGeom>
+        </p:spPr>
+      </p:pic>
+      <p:sp>
+        <p:nvSpPr>
+          <p:cNvPr id="8" name="오른쪽 화살표 7"/>
+          <p:cNvSpPr/>
+          <p:nvPr/>
+        </p:nvSpPr>
+        <p:spPr>
+          <a:xfrm rot="18717233">
+            <a:off x="2615063" y="3010773"/>
+            <a:ext cx="2187637" cy="416122"/>
+          </a:xfrm>
+          <a:prstGeom prst="rightArrow">
+            <a:avLst/>
+          </a:prstGeom>
+          <a:solidFill>
+            <a:srgbClr val="FF0000"/>
+          </a:solidFill>
+          <a:ln w="12700" cap="flat">
+            <a:solidFill>
+              <a:srgbClr val="FF0000"/>
+            </a:solidFill>
+            <a:prstDash val="solid"/>
+            <a:miter lim="800000"/>
+          </a:ln>
+          <a:effectLst/>
+          <a:sp3d/>
+        </p:spPr>
+        <p:style>
+          <a:lnRef idx="0">
+            <a:scrgbClr r="0" g="0" b="0"/>
+          </a:lnRef>
+          <a:fillRef idx="0">
+            <a:scrgbClr r="0" g="0" b="0"/>
+          </a:fillRef>
+          <a:effectRef idx="0">
+            <a:scrgbClr r="0" g="0" b="0"/>
+          </a:effectRef>
+          <a:fontRef idx="none"/>
+        </p:style>
+        <p:txBody>
+          <a:bodyPr rot="0" spcFirstLastPara="1" vertOverflow="overflow" horzOverflow="overflow" vert="horz" wrap="square" lIns="45719" tIns="45719" rIns="45719" bIns="45719" numCol="1" spcCol="38100" rtlCol="0" anchor="ctr">
+            <a:spAutoFit/>
+          </a:bodyPr>
+          <a:lstStyle/>
+          <a:p>
+            <a:pPr marL="0" marR="0" indent="0" algn="l" defTabSz="914400" rtl="0" fontAlgn="auto" latinLnBrk="0" hangingPunct="0">
+              <a:lnSpc>
+                <a:spcPct val="100000"/>
+              </a:lnSpc>
+              <a:spcBef>
+                <a:spcPts val="0"/>
+              </a:spcBef>
+              <a:spcAft>
+                <a:spcPts val="0"/>
+              </a:spcAft>
+              <a:buClrTx/>
+              <a:buSzTx/>
+              <a:buFontTx/>
+              <a:buNone/>
+              <a:tabLst/>
+            </a:pPr>
+            <a:endParaRPr kumimoji="0" lang="ko-KR" altLang="en-US" sz="1800" b="0" i="0" u="none" strike="noStrike" cap="none" spc="0" normalizeH="0" baseline="0">
+              <a:ln>
+                <a:noFill/>
+              </a:ln>
+              <a:solidFill>
+                <a:srgbClr val="000000"/>
+              </a:solidFill>
+              <a:effectLst/>
+              <a:uFillTx/>
+              <a:latin typeface="+mn-lt"/>
+              <a:ea typeface="+mn-ea"/>
+              <a:cs typeface="+mn-cs"/>
+              <a:sym typeface="맑은 고딕"/>
+            </a:endParaRPr>
+          </a:p>
+        </p:txBody>
+      </p:sp>
+      <p:pic>
+        <p:nvPicPr>
+          <p:cNvPr id="9" name="그림 8"/>
+          <p:cNvPicPr>
+            <a:picLocks noChangeAspect="1"/>
+          </p:cNvPicPr>
+          <p:nvPr/>
+        </p:nvPicPr>
+        <p:blipFill>
+          <a:blip r:embed="rId5"/>
+          <a:stretch>
+            <a:fillRect/>
+          </a:stretch>
+        </p:blipFill>
+        <p:spPr>
+          <a:xfrm>
+            <a:off x="8690855" y="1348635"/>
+            <a:ext cx="3228975" cy="3200400"/>
+          </a:xfrm>
+          <a:prstGeom prst="rect">
+            <a:avLst/>
+          </a:prstGeom>
+        </p:spPr>
+      </p:pic>
+      <p:sp>
+        <p:nvSpPr>
+          <p:cNvPr id="10" name="오른쪽 화살표 9"/>
+          <p:cNvSpPr/>
+          <p:nvPr/>
+        </p:nvSpPr>
+        <p:spPr>
+          <a:xfrm rot="10800000">
+            <a:off x="7915741" y="3111967"/>
+            <a:ext cx="950616" cy="416122"/>
+          </a:xfrm>
+          <a:prstGeom prst="rightArrow">
+            <a:avLst/>
+          </a:prstGeom>
+          <a:solidFill>
+            <a:srgbClr val="FF0000"/>
+          </a:solidFill>
+          <a:ln w="12700" cap="flat">
+            <a:solidFill>
+              <a:srgbClr val="FF0000"/>
+            </a:solidFill>
+            <a:prstDash val="solid"/>
+            <a:miter lim="800000"/>
+          </a:ln>
+          <a:effectLst/>
+          <a:sp3d/>
+        </p:spPr>
+        <p:style>
+          <a:lnRef idx="0">
+            <a:scrgbClr r="0" g="0" b="0"/>
+          </a:lnRef>
+          <a:fillRef idx="0">
+            <a:scrgbClr r="0" g="0" b="0"/>
+          </a:fillRef>
+          <a:effectRef idx="0">
+            <a:scrgbClr r="0" g="0" b="0"/>
+          </a:effectRef>
+          <a:fontRef idx="none"/>
+        </p:style>
+        <p:txBody>
+          <a:bodyPr rot="0" spcFirstLastPara="1" vertOverflow="overflow" horzOverflow="overflow" vert="horz" wrap="square" lIns="45719" tIns="45719" rIns="45719" bIns="45719" numCol="1" spcCol="38100" rtlCol="0" anchor="ctr">
+            <a:spAutoFit/>
+          </a:bodyPr>
+          <a:lstStyle/>
+          <a:p>
+            <a:pPr marL="0" marR="0" indent="0" algn="l" defTabSz="914400" rtl="0" fontAlgn="auto" latinLnBrk="0" hangingPunct="0">
+              <a:lnSpc>
+                <a:spcPct val="100000"/>
+              </a:lnSpc>
+              <a:spcBef>
+                <a:spcPts val="0"/>
+              </a:spcBef>
+              <a:spcAft>
+                <a:spcPts val="0"/>
+              </a:spcAft>
+              <a:buClrTx/>
+              <a:buSzTx/>
+              <a:buFontTx/>
+              <a:buNone/>
+              <a:tabLst/>
+            </a:pPr>
+            <a:endParaRPr kumimoji="0" lang="ko-KR" altLang="en-US" sz="1800" b="0" i="0" u="none" strike="noStrike" cap="none" spc="0" normalizeH="0" baseline="0">
+              <a:ln>
+                <a:noFill/>
+              </a:ln>
+              <a:solidFill>
+                <a:srgbClr val="000000"/>
+              </a:solidFill>
+              <a:effectLst/>
+              <a:uFillTx/>
+              <a:latin typeface="+mn-lt"/>
+              <a:ea typeface="+mn-ea"/>
+              <a:cs typeface="+mn-cs"/>
+              <a:sym typeface="맑은 고딕"/>
+            </a:endParaRPr>
+          </a:p>
+        </p:txBody>
+      </p:sp>
+    </p:spTree>
+    <p:extLst>
+      <p:ext uri="{BB962C8B-B14F-4D97-AF65-F5344CB8AC3E}">
+        <p14:creationId xmlns:p14="http://schemas.microsoft.com/office/powerpoint/2010/main" val="478175795"/>
+      </p:ext>
+    </p:extLst>
   </p:cSld>
   <p:clrMapOvr>
     <a:masterClrMapping/>

--- a/project03 화면설계서/0221 발표용 project03 - 화면 설계서 - 용승.pptx
+++ b/project03 화면설계서/0221 발표용 project03 - 화면 설계서 - 용승.pptx
@@ -5,14 +5,16 @@
     <p:sldMasterId id="2147483648" r:id="rId1"/>
   </p:sldMasterIdLst>
   <p:notesMasterIdLst>
-    <p:notesMasterId r:id="rId7"/>
+    <p:notesMasterId r:id="rId9"/>
   </p:notesMasterIdLst>
   <p:sldIdLst>
     <p:sldId id="256" r:id="rId2"/>
-    <p:sldId id="257" r:id="rId3"/>
+    <p:sldId id="263" r:id="rId3"/>
     <p:sldId id="258" r:id="rId4"/>
-    <p:sldId id="259" r:id="rId5"/>
-    <p:sldId id="260" r:id="rId6"/>
+    <p:sldId id="264" r:id="rId5"/>
+    <p:sldId id="265" r:id="rId6"/>
+    <p:sldId id="259" r:id="rId7"/>
+    <p:sldId id="260" r:id="rId8"/>
   </p:sldIdLst>
   <p:sldSz cx="12192000" cy="6858000"/>
   <p:notesSz cx="6858000" cy="9144000"/>
@@ -1742,7 +1744,7 @@
           </a:ln>
           <a:extLst>
             <a:ext uri="{C572A759-6A51-4108-AA02-DFA0A04FC94B}">
-              <ma14:wrappingTextBoxFlag xmlns="" xmlns:m="http://schemas.openxmlformats.org/officeDocument/2006/math" xmlns:a14="http://schemas.microsoft.com/office/drawing/2010/main" xmlns:ma14="http://schemas.microsoft.com/office/mac/drawingml/2011/main" val="1"/>
+              <ma14:wrappingTextBoxFlag xmlns:ma14="http://schemas.microsoft.com/office/mac/drawingml/2011/main" xmlns:a14="http://schemas.microsoft.com/office/drawing/2010/main" xmlns:m="http://schemas.openxmlformats.org/officeDocument/2006/math" xmlns="" val="1"/>
             </a:ext>
           </a:extLst>
         </p:spPr>
@@ -1781,7 +1783,7 @@
           </a:ln>
           <a:extLst>
             <a:ext uri="{C572A759-6A51-4108-AA02-DFA0A04FC94B}">
-              <ma14:wrappingTextBoxFlag xmlns="" xmlns:m="http://schemas.openxmlformats.org/officeDocument/2006/math" xmlns:a14="http://schemas.microsoft.com/office/drawing/2010/main" xmlns:ma14="http://schemas.microsoft.com/office/mac/drawingml/2011/main" val="1"/>
+              <ma14:wrappingTextBoxFlag xmlns:ma14="http://schemas.microsoft.com/office/mac/drawingml/2011/main" xmlns:a14="http://schemas.microsoft.com/office/drawing/2010/main" xmlns:m="http://schemas.openxmlformats.org/officeDocument/2006/math" xmlns="" val="1"/>
             </a:ext>
           </a:extLst>
         </p:spPr>
@@ -2714,7 +2716,7 @@
       </p:grpSpPr>
       <p:pic>
         <p:nvPicPr>
-          <p:cNvPr id="9" name="그림 8"/>
+          <p:cNvPr id="2" name="그림 1"/>
           <p:cNvPicPr>
             <a:picLocks noChangeAspect="1"/>
           </p:cNvPicPr>
@@ -2728,8 +2730,8 @@
         </p:blipFill>
         <p:spPr>
           <a:xfrm>
-            <a:off x="3150896" y="162963"/>
-            <a:ext cx="4509191" cy="6618082"/>
+            <a:off x="3281404" y="0"/>
+            <a:ext cx="4289279" cy="6858000"/>
           </a:xfrm>
           <a:prstGeom prst="rect">
             <a:avLst/>
@@ -2768,8 +2770,8 @@
         </p:nvSpPr>
         <p:spPr>
           <a:xfrm>
-            <a:off x="3739081" y="3585172"/>
-            <a:ext cx="470780" cy="416122"/>
+            <a:off x="2027978" y="3529511"/>
+            <a:ext cx="1602462" cy="416122"/>
           </a:xfrm>
           <a:prstGeom prst="rightArrow">
             <a:avLst/>
@@ -2854,7 +2856,7 @@
         </p:blipFill>
         <p:spPr>
           <a:xfrm>
-            <a:off x="6764588" y="400844"/>
+            <a:off x="6764587" y="5029553"/>
             <a:ext cx="5099459" cy="685572"/>
           </a:xfrm>
           <a:prstGeom prst="rect">
@@ -2878,7 +2880,7 @@
         </p:blipFill>
         <p:spPr>
           <a:xfrm>
-            <a:off x="6764588" y="2797176"/>
+            <a:off x="6764587" y="5715125"/>
             <a:ext cx="5099459" cy="787996"/>
           </a:xfrm>
           <a:prstGeom prst="rect">
@@ -2886,10 +2888,190 @@
           </a:prstGeom>
         </p:spPr>
       </p:pic>
+      <p:sp>
+        <p:nvSpPr>
+          <p:cNvPr id="10" name="오른쪽 화살표 9"/>
+          <p:cNvSpPr/>
+          <p:nvPr/>
+        </p:nvSpPr>
+        <p:spPr>
+          <a:xfrm rot="10800000">
+            <a:off x="6529197" y="6353752"/>
+            <a:ext cx="470780" cy="416122"/>
+          </a:xfrm>
+          <a:prstGeom prst="rightArrow">
+            <a:avLst/>
+          </a:prstGeom>
+          <a:solidFill>
+            <a:srgbClr val="FF0000"/>
+          </a:solidFill>
+          <a:ln w="12700" cap="flat">
+            <a:solidFill>
+              <a:srgbClr val="FF0000"/>
+            </a:solidFill>
+            <a:prstDash val="solid"/>
+            <a:miter lim="800000"/>
+          </a:ln>
+          <a:effectLst/>
+          <a:sp3d/>
+        </p:spPr>
+        <p:style>
+          <a:lnRef idx="0">
+            <a:scrgbClr r="0" g="0" b="0"/>
+          </a:lnRef>
+          <a:fillRef idx="0">
+            <a:scrgbClr r="0" g="0" b="0"/>
+          </a:fillRef>
+          <a:effectRef idx="0">
+            <a:scrgbClr r="0" g="0" b="0"/>
+          </a:effectRef>
+          <a:fontRef idx="none"/>
+        </p:style>
+        <p:txBody>
+          <a:bodyPr rot="0" spcFirstLastPara="1" vertOverflow="overflow" horzOverflow="overflow" vert="horz" wrap="square" lIns="45719" tIns="45719" rIns="45719" bIns="45719" numCol="1" spcCol="38100" rtlCol="0" anchor="ctr">
+            <a:spAutoFit/>
+          </a:bodyPr>
+          <a:lstStyle/>
+          <a:p>
+            <a:pPr marL="0" marR="0" indent="0" algn="l" defTabSz="914400" rtl="0" fontAlgn="auto" latinLnBrk="0" hangingPunct="0">
+              <a:lnSpc>
+                <a:spcPct val="100000"/>
+              </a:lnSpc>
+              <a:spcBef>
+                <a:spcPts val="0"/>
+              </a:spcBef>
+              <a:spcAft>
+                <a:spcPts val="0"/>
+              </a:spcAft>
+              <a:buClrTx/>
+              <a:buSzTx/>
+              <a:buFontTx/>
+              <a:buNone/>
+              <a:tabLst/>
+            </a:pPr>
+            <a:endParaRPr kumimoji="0" lang="ko-KR" altLang="en-US" sz="1800" b="0" i="0" u="none" strike="noStrike" cap="none" spc="0" normalizeH="0" baseline="0">
+              <a:ln>
+                <a:noFill/>
+              </a:ln>
+              <a:solidFill>
+                <a:srgbClr val="000000"/>
+              </a:solidFill>
+              <a:effectLst/>
+              <a:uFillTx/>
+              <a:latin typeface="+mn-lt"/>
+              <a:ea typeface="+mn-ea"/>
+              <a:cs typeface="+mn-cs"/>
+              <a:sym typeface="맑은 고딕"/>
+            </a:endParaRPr>
+          </a:p>
+        </p:txBody>
+      </p:sp>
+      <p:pic>
+        <p:nvPicPr>
+          <p:cNvPr id="3" name="그림 2"/>
+          <p:cNvPicPr>
+            <a:picLocks noChangeAspect="1"/>
+          </p:cNvPicPr>
+          <p:nvPr/>
+        </p:nvPicPr>
+        <p:blipFill>
+          <a:blip r:embed="rId6"/>
+          <a:stretch>
+            <a:fillRect/>
+          </a:stretch>
+        </p:blipFill>
+        <p:spPr>
+          <a:xfrm>
+            <a:off x="8247613" y="963345"/>
+            <a:ext cx="2686050" cy="857250"/>
+          </a:xfrm>
+          <a:prstGeom prst="rect">
+            <a:avLst/>
+          </a:prstGeom>
+        </p:spPr>
+      </p:pic>
+      <p:sp>
+        <p:nvSpPr>
+          <p:cNvPr id="11" name="오른쪽 화살표 10"/>
+          <p:cNvSpPr/>
+          <p:nvPr/>
+        </p:nvSpPr>
+        <p:spPr>
+          <a:xfrm rot="10800000">
+            <a:off x="7554223" y="1101234"/>
+            <a:ext cx="470780" cy="416122"/>
+          </a:xfrm>
+          <a:prstGeom prst="rightArrow">
+            <a:avLst/>
+          </a:prstGeom>
+          <a:solidFill>
+            <a:srgbClr val="FF0000"/>
+          </a:solidFill>
+          <a:ln w="12700" cap="flat">
+            <a:solidFill>
+              <a:srgbClr val="FF0000"/>
+            </a:solidFill>
+            <a:prstDash val="solid"/>
+            <a:miter lim="800000"/>
+          </a:ln>
+          <a:effectLst/>
+          <a:sp3d/>
+        </p:spPr>
+        <p:style>
+          <a:lnRef idx="0">
+            <a:scrgbClr r="0" g="0" b="0"/>
+          </a:lnRef>
+          <a:fillRef idx="0">
+            <a:scrgbClr r="0" g="0" b="0"/>
+          </a:fillRef>
+          <a:effectRef idx="0">
+            <a:scrgbClr r="0" g="0" b="0"/>
+          </a:effectRef>
+          <a:fontRef idx="none"/>
+        </p:style>
+        <p:txBody>
+          <a:bodyPr rot="0" spcFirstLastPara="1" vertOverflow="overflow" horzOverflow="overflow" vert="horz" wrap="square" lIns="45719" tIns="45719" rIns="45719" bIns="45719" numCol="1" spcCol="38100" rtlCol="0" anchor="ctr">
+            <a:spAutoFit/>
+          </a:bodyPr>
+          <a:lstStyle/>
+          <a:p>
+            <a:pPr marL="0" marR="0" indent="0" algn="l" defTabSz="914400" rtl="0" fontAlgn="auto" latinLnBrk="0" hangingPunct="0">
+              <a:lnSpc>
+                <a:spcPct val="100000"/>
+              </a:lnSpc>
+              <a:spcBef>
+                <a:spcPts val="0"/>
+              </a:spcBef>
+              <a:spcAft>
+                <a:spcPts val="0"/>
+              </a:spcAft>
+              <a:buClrTx/>
+              <a:buSzTx/>
+              <a:buFontTx/>
+              <a:buNone/>
+              <a:tabLst/>
+            </a:pPr>
+            <a:endParaRPr kumimoji="0" lang="ko-KR" altLang="en-US" sz="1800" b="0" i="0" u="none" strike="noStrike" cap="none" spc="0" normalizeH="0" baseline="0">
+              <a:ln>
+                <a:noFill/>
+              </a:ln>
+              <a:solidFill>
+                <a:srgbClr val="000000"/>
+              </a:solidFill>
+              <a:effectLst/>
+              <a:uFillTx/>
+              <a:latin typeface="+mn-lt"/>
+              <a:ea typeface="+mn-ea"/>
+              <a:cs typeface="+mn-cs"/>
+              <a:sym typeface="맑은 고딕"/>
+            </a:endParaRPr>
+          </a:p>
+        </p:txBody>
+      </p:sp>
     </p:spTree>
     <p:extLst>
       <p:ext uri="{BB962C8B-B14F-4D97-AF65-F5344CB8AC3E}">
-        <p14:creationId xmlns:p14="http://schemas.microsoft.com/office/powerpoint/2010/main" val="2077367490"/>
+        <p14:creationId xmlns:p14="http://schemas.microsoft.com/office/powerpoint/2010/main" val="3172045912"/>
       </p:ext>
     </p:extLst>
   </p:cSld>
@@ -3170,6 +3352,44 @@
           <a:chExt cx="0" cy="0"/>
         </a:xfrm>
       </p:grpSpPr>
+      <p:sp>
+        <p:nvSpPr>
+          <p:cNvPr id="2" name="제목 1"/>
+          <p:cNvSpPr>
+            <a:spLocks noGrp="1"/>
+          </p:cNvSpPr>
+          <p:nvPr>
+            <p:ph type="title"/>
+          </p:nvPr>
+        </p:nvSpPr>
+        <p:spPr/>
+        <p:txBody>
+          <a:bodyPr/>
+          <a:lstStyle/>
+          <a:p>
+            <a:endParaRPr lang="ko-KR" altLang="en-US"/>
+          </a:p>
+        </p:txBody>
+      </p:sp>
+      <p:sp>
+        <p:nvSpPr>
+          <p:cNvPr id="3" name="텍스트 개체 틀 2"/>
+          <p:cNvSpPr>
+            <a:spLocks noGrp="1"/>
+          </p:cNvSpPr>
+          <p:nvPr>
+            <p:ph type="body" idx="1"/>
+          </p:nvPr>
+        </p:nvSpPr>
+        <p:spPr/>
+        <p:txBody>
+          <a:bodyPr/>
+          <a:lstStyle/>
+          <a:p>
+            <a:endParaRPr lang="ko-KR" altLang="en-US"/>
+          </a:p>
+        </p:txBody>
+      </p:sp>
       <p:pic>
         <p:nvPicPr>
           <p:cNvPr id="4" name="그림 3"/>
@@ -3186,8 +3406,8 @@
         </p:blipFill>
         <p:spPr>
           <a:xfrm>
-            <a:off x="4400068" y="0"/>
-            <a:ext cx="3391863" cy="6858000"/>
+            <a:off x="0" y="105228"/>
+            <a:ext cx="12192000" cy="6647543"/>
           </a:xfrm>
           <a:prstGeom prst="rect">
             <a:avLst/>
@@ -3210,8 +3430,8 @@
         </p:blipFill>
         <p:spPr>
           <a:xfrm>
-            <a:off x="557449" y="3429000"/>
-            <a:ext cx="2838450" cy="2762250"/>
+            <a:off x="189132" y="1446879"/>
+            <a:ext cx="2327731" cy="1007411"/>
           </a:xfrm>
           <a:prstGeom prst="rect">
             <a:avLst/>
@@ -3220,14 +3440,14 @@
       </p:pic>
       <p:sp>
         <p:nvSpPr>
-          <p:cNvPr id="7" name="오른쪽 화살표 6"/>
+          <p:cNvPr id="6" name="오른쪽 화살표 5"/>
           <p:cNvSpPr/>
           <p:nvPr/>
         </p:nvSpPr>
         <p:spPr>
-          <a:xfrm>
-            <a:off x="3662593" y="4689526"/>
-            <a:ext cx="1190064" cy="416122"/>
+          <a:xfrm rot="5400000">
+            <a:off x="1774477" y="2381166"/>
+            <a:ext cx="470780" cy="416122"/>
           </a:xfrm>
           <a:prstGeom prst="rightArrow">
             <a:avLst/>
@@ -3298,7 +3518,7 @@
       </p:sp>
       <p:pic>
         <p:nvPicPr>
-          <p:cNvPr id="8" name="그림 7"/>
+          <p:cNvPr id="7" name="그림 6"/>
           <p:cNvPicPr>
             <a:picLocks noChangeAspect="1"/>
           </p:cNvPicPr>
@@ -3312,8 +3532,8 @@
         </p:blipFill>
         <p:spPr>
           <a:xfrm>
-            <a:off x="8331498" y="991872"/>
-            <a:ext cx="2771775" cy="4276725"/>
+            <a:off x="4745053" y="3671746"/>
+            <a:ext cx="5200650" cy="800100"/>
           </a:xfrm>
           <a:prstGeom prst="rect">
             <a:avLst/>
@@ -3322,14 +3542,14 @@
       </p:pic>
       <p:sp>
         <p:nvSpPr>
-          <p:cNvPr id="9" name="오른쪽 화살표 8"/>
+          <p:cNvPr id="8" name="오른쪽 화살표 7"/>
           <p:cNvSpPr/>
           <p:nvPr/>
         </p:nvSpPr>
         <p:spPr>
           <a:xfrm rot="10800000">
-            <a:off x="7141434" y="3130234"/>
-            <a:ext cx="1190064" cy="416122"/>
+            <a:off x="4185129" y="3863735"/>
+            <a:ext cx="470780" cy="416122"/>
           </a:xfrm>
           <a:prstGeom prst="rightArrow">
             <a:avLst/>
@@ -3398,6 +3618,508 @@
           </a:p>
         </p:txBody>
       </p:sp>
+      <p:pic>
+        <p:nvPicPr>
+          <p:cNvPr id="9" name="그림 8"/>
+          <p:cNvPicPr>
+            <a:picLocks noChangeAspect="1"/>
+          </p:cNvPicPr>
+          <p:nvPr/>
+        </p:nvPicPr>
+        <p:blipFill>
+          <a:blip r:embed="rId5"/>
+          <a:stretch>
+            <a:fillRect/>
+          </a:stretch>
+        </p:blipFill>
+        <p:spPr>
+          <a:xfrm>
+            <a:off x="4745053" y="4684225"/>
+            <a:ext cx="2390775" cy="495300"/>
+          </a:xfrm>
+          <a:prstGeom prst="rect">
+            <a:avLst/>
+          </a:prstGeom>
+        </p:spPr>
+      </p:pic>
+    </p:spTree>
+    <p:extLst>
+      <p:ext uri="{BB962C8B-B14F-4D97-AF65-F5344CB8AC3E}">
+        <p14:creationId xmlns:p14="http://schemas.microsoft.com/office/powerpoint/2010/main" val="3722387676"/>
+      </p:ext>
+    </p:extLst>
+  </p:cSld>
+  <p:clrMapOvr>
+    <a:masterClrMapping/>
+  </p:clrMapOvr>
+  <p:transition spd="med"/>
+</p:sld>
+</file>
+
+<file path=ppt/slides/slide5.xml><?xml version="1.0" encoding="utf-8"?>
+<p:sld xmlns:a="http://schemas.openxmlformats.org/drawingml/2006/main" xmlns:r="http://schemas.openxmlformats.org/officeDocument/2006/relationships" xmlns:p="http://schemas.openxmlformats.org/presentationml/2006/main">
+  <p:cSld>
+    <p:spTree>
+      <p:nvGrpSpPr>
+        <p:cNvPr id="1" name=""/>
+        <p:cNvGrpSpPr/>
+        <p:nvPr/>
+      </p:nvGrpSpPr>
+      <p:grpSpPr>
+        <a:xfrm>
+          <a:off x="0" y="0"/>
+          <a:ext cx="0" cy="0"/>
+          <a:chOff x="0" y="0"/>
+          <a:chExt cx="0" cy="0"/>
+        </a:xfrm>
+      </p:grpSpPr>
+      <p:sp>
+        <p:nvSpPr>
+          <p:cNvPr id="2" name="제목 1"/>
+          <p:cNvSpPr>
+            <a:spLocks noGrp="1"/>
+          </p:cNvSpPr>
+          <p:nvPr>
+            <p:ph type="title"/>
+          </p:nvPr>
+        </p:nvSpPr>
+        <p:spPr/>
+        <p:txBody>
+          <a:bodyPr/>
+          <a:lstStyle/>
+          <a:p>
+            <a:endParaRPr lang="ko-KR" altLang="en-US"/>
+          </a:p>
+        </p:txBody>
+      </p:sp>
+      <p:sp>
+        <p:nvSpPr>
+          <p:cNvPr id="3" name="텍스트 개체 틀 2"/>
+          <p:cNvSpPr>
+            <a:spLocks noGrp="1"/>
+          </p:cNvSpPr>
+          <p:nvPr>
+            <p:ph type="body" idx="1"/>
+          </p:nvPr>
+        </p:nvSpPr>
+        <p:spPr/>
+        <p:txBody>
+          <a:bodyPr/>
+          <a:lstStyle/>
+          <a:p>
+            <a:endParaRPr lang="ko-KR" altLang="en-US"/>
+          </a:p>
+        </p:txBody>
+      </p:sp>
+      <p:pic>
+        <p:nvPicPr>
+          <p:cNvPr id="4" name="그림 3"/>
+          <p:cNvPicPr>
+            <a:picLocks noChangeAspect="1"/>
+          </p:cNvPicPr>
+          <p:nvPr/>
+        </p:nvPicPr>
+        <p:blipFill>
+          <a:blip r:embed="rId2"/>
+          <a:stretch>
+            <a:fillRect/>
+          </a:stretch>
+        </p:blipFill>
+        <p:spPr>
+          <a:xfrm>
+            <a:off x="0" y="18143"/>
+            <a:ext cx="12192000" cy="6821714"/>
+          </a:xfrm>
+          <a:prstGeom prst="rect">
+            <a:avLst/>
+          </a:prstGeom>
+        </p:spPr>
+      </p:pic>
+      <p:pic>
+        <p:nvPicPr>
+          <p:cNvPr id="5" name="그림 4"/>
+          <p:cNvPicPr>
+            <a:picLocks noChangeAspect="1"/>
+          </p:cNvPicPr>
+          <p:nvPr/>
+        </p:nvPicPr>
+        <p:blipFill>
+          <a:blip r:embed="rId3"/>
+          <a:stretch>
+            <a:fillRect/>
+          </a:stretch>
+        </p:blipFill>
+        <p:spPr>
+          <a:xfrm>
+            <a:off x="5068856" y="3851919"/>
+            <a:ext cx="4371975" cy="1019175"/>
+          </a:xfrm>
+          <a:prstGeom prst="rect">
+            <a:avLst/>
+          </a:prstGeom>
+        </p:spPr>
+      </p:pic>
+      <p:sp>
+        <p:nvSpPr>
+          <p:cNvPr id="6" name="오른쪽 화살표 5"/>
+          <p:cNvSpPr/>
+          <p:nvPr/>
+        </p:nvSpPr>
+        <p:spPr>
+          <a:xfrm rot="10800000">
+            <a:off x="4414366" y="4081018"/>
+            <a:ext cx="470780" cy="416122"/>
+          </a:xfrm>
+          <a:prstGeom prst="rightArrow">
+            <a:avLst/>
+          </a:prstGeom>
+          <a:solidFill>
+            <a:srgbClr val="FF0000"/>
+          </a:solidFill>
+          <a:ln w="12700" cap="flat">
+            <a:solidFill>
+              <a:srgbClr val="FF0000"/>
+            </a:solidFill>
+            <a:prstDash val="solid"/>
+            <a:miter lim="800000"/>
+          </a:ln>
+          <a:effectLst/>
+          <a:sp3d/>
+        </p:spPr>
+        <p:style>
+          <a:lnRef idx="0">
+            <a:scrgbClr r="0" g="0" b="0"/>
+          </a:lnRef>
+          <a:fillRef idx="0">
+            <a:scrgbClr r="0" g="0" b="0"/>
+          </a:fillRef>
+          <a:effectRef idx="0">
+            <a:scrgbClr r="0" g="0" b="0"/>
+          </a:effectRef>
+          <a:fontRef idx="none"/>
+        </p:style>
+        <p:txBody>
+          <a:bodyPr rot="0" spcFirstLastPara="1" vertOverflow="overflow" horzOverflow="overflow" vert="horz" wrap="square" lIns="45719" tIns="45719" rIns="45719" bIns="45719" numCol="1" spcCol="38100" rtlCol="0" anchor="ctr">
+            <a:spAutoFit/>
+          </a:bodyPr>
+          <a:lstStyle/>
+          <a:p>
+            <a:pPr marL="0" marR="0" indent="0" algn="l" defTabSz="914400" rtl="0" fontAlgn="auto" latinLnBrk="0" hangingPunct="0">
+              <a:lnSpc>
+                <a:spcPct val="100000"/>
+              </a:lnSpc>
+              <a:spcBef>
+                <a:spcPts val="0"/>
+              </a:spcBef>
+              <a:spcAft>
+                <a:spcPts val="0"/>
+              </a:spcAft>
+              <a:buClrTx/>
+              <a:buSzTx/>
+              <a:buFontTx/>
+              <a:buNone/>
+              <a:tabLst/>
+            </a:pPr>
+            <a:endParaRPr kumimoji="0" lang="ko-KR" altLang="en-US" sz="1800" b="0" i="0" u="none" strike="noStrike" cap="none" spc="0" normalizeH="0" baseline="0">
+              <a:ln>
+                <a:noFill/>
+              </a:ln>
+              <a:solidFill>
+                <a:srgbClr val="000000"/>
+              </a:solidFill>
+              <a:effectLst/>
+              <a:uFillTx/>
+              <a:latin typeface="+mn-lt"/>
+              <a:ea typeface="+mn-ea"/>
+              <a:cs typeface="+mn-cs"/>
+              <a:sym typeface="맑은 고딕"/>
+            </a:endParaRPr>
+          </a:p>
+        </p:txBody>
+      </p:sp>
+      <p:pic>
+        <p:nvPicPr>
+          <p:cNvPr id="7" name="그림 6"/>
+          <p:cNvPicPr>
+            <a:picLocks noChangeAspect="1"/>
+          </p:cNvPicPr>
+          <p:nvPr/>
+        </p:nvPicPr>
+        <p:blipFill>
+          <a:blip r:embed="rId4"/>
+          <a:stretch>
+            <a:fillRect/>
+          </a:stretch>
+        </p:blipFill>
+        <p:spPr>
+          <a:xfrm>
+            <a:off x="5068856" y="5006031"/>
+            <a:ext cx="2219325" cy="762000"/>
+          </a:xfrm>
+          <a:prstGeom prst="rect">
+            <a:avLst/>
+          </a:prstGeom>
+        </p:spPr>
+      </p:pic>
+    </p:spTree>
+    <p:extLst>
+      <p:ext uri="{BB962C8B-B14F-4D97-AF65-F5344CB8AC3E}">
+        <p14:creationId xmlns:p14="http://schemas.microsoft.com/office/powerpoint/2010/main" val="1183915863"/>
+      </p:ext>
+    </p:extLst>
+  </p:cSld>
+  <p:clrMapOvr>
+    <a:masterClrMapping/>
+  </p:clrMapOvr>
+  <p:transition spd="med"/>
+</p:sld>
+</file>
+
+<file path=ppt/slides/slide6.xml><?xml version="1.0" encoding="utf-8"?>
+<p:sld xmlns:a="http://schemas.openxmlformats.org/drawingml/2006/main" xmlns:r="http://schemas.openxmlformats.org/officeDocument/2006/relationships" xmlns:p="http://schemas.openxmlformats.org/presentationml/2006/main">
+  <p:cSld>
+    <p:spTree>
+      <p:nvGrpSpPr>
+        <p:cNvPr id="1" name=""/>
+        <p:cNvGrpSpPr/>
+        <p:nvPr/>
+      </p:nvGrpSpPr>
+      <p:grpSpPr>
+        <a:xfrm>
+          <a:off x="0" y="0"/>
+          <a:ext cx="0" cy="0"/>
+          <a:chOff x="0" y="0"/>
+          <a:chExt cx="0" cy="0"/>
+        </a:xfrm>
+      </p:grpSpPr>
+      <p:pic>
+        <p:nvPicPr>
+          <p:cNvPr id="4" name="그림 3"/>
+          <p:cNvPicPr>
+            <a:picLocks noChangeAspect="1"/>
+          </p:cNvPicPr>
+          <p:nvPr/>
+        </p:nvPicPr>
+        <p:blipFill>
+          <a:blip r:embed="rId2"/>
+          <a:stretch>
+            <a:fillRect/>
+          </a:stretch>
+        </p:blipFill>
+        <p:spPr>
+          <a:xfrm>
+            <a:off x="4400068" y="0"/>
+            <a:ext cx="3391863" cy="6858000"/>
+          </a:xfrm>
+          <a:prstGeom prst="rect">
+            <a:avLst/>
+          </a:prstGeom>
+        </p:spPr>
+      </p:pic>
+      <p:pic>
+        <p:nvPicPr>
+          <p:cNvPr id="5" name="그림 4"/>
+          <p:cNvPicPr>
+            <a:picLocks noChangeAspect="1"/>
+          </p:cNvPicPr>
+          <p:nvPr/>
+        </p:nvPicPr>
+        <p:blipFill>
+          <a:blip r:embed="rId3"/>
+          <a:stretch>
+            <a:fillRect/>
+          </a:stretch>
+        </p:blipFill>
+        <p:spPr>
+          <a:xfrm>
+            <a:off x="557449" y="3429000"/>
+            <a:ext cx="2838450" cy="2762250"/>
+          </a:xfrm>
+          <a:prstGeom prst="rect">
+            <a:avLst/>
+          </a:prstGeom>
+        </p:spPr>
+      </p:pic>
+      <p:sp>
+        <p:nvSpPr>
+          <p:cNvPr id="7" name="오른쪽 화살표 6"/>
+          <p:cNvSpPr/>
+          <p:nvPr/>
+        </p:nvSpPr>
+        <p:spPr>
+          <a:xfrm>
+            <a:off x="3662593" y="4689526"/>
+            <a:ext cx="1190064" cy="416122"/>
+          </a:xfrm>
+          <a:prstGeom prst="rightArrow">
+            <a:avLst/>
+          </a:prstGeom>
+          <a:solidFill>
+            <a:srgbClr val="FF0000"/>
+          </a:solidFill>
+          <a:ln w="12700" cap="flat">
+            <a:solidFill>
+              <a:srgbClr val="FF0000"/>
+            </a:solidFill>
+            <a:prstDash val="solid"/>
+            <a:miter lim="800000"/>
+          </a:ln>
+          <a:effectLst/>
+          <a:sp3d/>
+        </p:spPr>
+        <p:style>
+          <a:lnRef idx="0">
+            <a:scrgbClr r="0" g="0" b="0"/>
+          </a:lnRef>
+          <a:fillRef idx="0">
+            <a:scrgbClr r="0" g="0" b="0"/>
+          </a:fillRef>
+          <a:effectRef idx="0">
+            <a:scrgbClr r="0" g="0" b="0"/>
+          </a:effectRef>
+          <a:fontRef idx="none"/>
+        </p:style>
+        <p:txBody>
+          <a:bodyPr rot="0" spcFirstLastPara="1" vertOverflow="overflow" horzOverflow="overflow" vert="horz" wrap="square" lIns="45719" tIns="45719" rIns="45719" bIns="45719" numCol="1" spcCol="38100" rtlCol="0" anchor="ctr">
+            <a:spAutoFit/>
+          </a:bodyPr>
+          <a:lstStyle/>
+          <a:p>
+            <a:pPr marL="0" marR="0" indent="0" algn="l" defTabSz="914400" rtl="0" fontAlgn="auto" latinLnBrk="0" hangingPunct="0">
+              <a:lnSpc>
+                <a:spcPct val="100000"/>
+              </a:lnSpc>
+              <a:spcBef>
+                <a:spcPts val="0"/>
+              </a:spcBef>
+              <a:spcAft>
+                <a:spcPts val="0"/>
+              </a:spcAft>
+              <a:buClrTx/>
+              <a:buSzTx/>
+              <a:buFontTx/>
+              <a:buNone/>
+              <a:tabLst/>
+            </a:pPr>
+            <a:endParaRPr kumimoji="0" lang="ko-KR" altLang="en-US" sz="1800" b="0" i="0" u="none" strike="noStrike" cap="none" spc="0" normalizeH="0" baseline="0">
+              <a:ln>
+                <a:noFill/>
+              </a:ln>
+              <a:solidFill>
+                <a:srgbClr val="000000"/>
+              </a:solidFill>
+              <a:effectLst/>
+              <a:uFillTx/>
+              <a:latin typeface="+mn-lt"/>
+              <a:ea typeface="+mn-ea"/>
+              <a:cs typeface="+mn-cs"/>
+              <a:sym typeface="맑은 고딕"/>
+            </a:endParaRPr>
+          </a:p>
+        </p:txBody>
+      </p:sp>
+      <p:pic>
+        <p:nvPicPr>
+          <p:cNvPr id="8" name="그림 7"/>
+          <p:cNvPicPr>
+            <a:picLocks noChangeAspect="1"/>
+          </p:cNvPicPr>
+          <p:nvPr/>
+        </p:nvPicPr>
+        <p:blipFill>
+          <a:blip r:embed="rId4"/>
+          <a:stretch>
+            <a:fillRect/>
+          </a:stretch>
+        </p:blipFill>
+        <p:spPr>
+          <a:xfrm>
+            <a:off x="8331498" y="991872"/>
+            <a:ext cx="2771775" cy="4276725"/>
+          </a:xfrm>
+          <a:prstGeom prst="rect">
+            <a:avLst/>
+          </a:prstGeom>
+        </p:spPr>
+      </p:pic>
+      <p:sp>
+        <p:nvSpPr>
+          <p:cNvPr id="9" name="오른쪽 화살표 8"/>
+          <p:cNvSpPr/>
+          <p:nvPr/>
+        </p:nvSpPr>
+        <p:spPr>
+          <a:xfrm rot="10800000">
+            <a:off x="7141434" y="3130234"/>
+            <a:ext cx="1190064" cy="416122"/>
+          </a:xfrm>
+          <a:prstGeom prst="rightArrow">
+            <a:avLst/>
+          </a:prstGeom>
+          <a:solidFill>
+            <a:srgbClr val="FF0000"/>
+          </a:solidFill>
+          <a:ln w="12700" cap="flat">
+            <a:solidFill>
+              <a:srgbClr val="FF0000"/>
+            </a:solidFill>
+            <a:prstDash val="solid"/>
+            <a:miter lim="800000"/>
+          </a:ln>
+          <a:effectLst/>
+          <a:sp3d/>
+        </p:spPr>
+        <p:style>
+          <a:lnRef idx="0">
+            <a:scrgbClr r="0" g="0" b="0"/>
+          </a:lnRef>
+          <a:fillRef idx="0">
+            <a:scrgbClr r="0" g="0" b="0"/>
+          </a:fillRef>
+          <a:effectRef idx="0">
+            <a:scrgbClr r="0" g="0" b="0"/>
+          </a:effectRef>
+          <a:fontRef idx="none"/>
+        </p:style>
+        <p:txBody>
+          <a:bodyPr rot="0" spcFirstLastPara="1" vertOverflow="overflow" horzOverflow="overflow" vert="horz" wrap="square" lIns="45719" tIns="45719" rIns="45719" bIns="45719" numCol="1" spcCol="38100" rtlCol="0" anchor="ctr">
+            <a:spAutoFit/>
+          </a:bodyPr>
+          <a:lstStyle/>
+          <a:p>
+            <a:pPr marL="0" marR="0" indent="0" algn="l" defTabSz="914400" rtl="0" fontAlgn="auto" latinLnBrk="0" hangingPunct="0">
+              <a:lnSpc>
+                <a:spcPct val="100000"/>
+              </a:lnSpc>
+              <a:spcBef>
+                <a:spcPts val="0"/>
+              </a:spcBef>
+              <a:spcAft>
+                <a:spcPts val="0"/>
+              </a:spcAft>
+              <a:buClrTx/>
+              <a:buSzTx/>
+              <a:buFontTx/>
+              <a:buNone/>
+              <a:tabLst/>
+            </a:pPr>
+            <a:endParaRPr kumimoji="0" lang="ko-KR" altLang="en-US" sz="1800" b="0" i="0" u="none" strike="noStrike" cap="none" spc="0" normalizeH="0" baseline="0">
+              <a:ln>
+                <a:noFill/>
+              </a:ln>
+              <a:solidFill>
+                <a:srgbClr val="000000"/>
+              </a:solidFill>
+              <a:effectLst/>
+              <a:uFillTx/>
+              <a:latin typeface="+mn-lt"/>
+              <a:ea typeface="+mn-ea"/>
+              <a:cs typeface="+mn-cs"/>
+              <a:sym typeface="맑은 고딕"/>
+            </a:endParaRPr>
+          </a:p>
+        </p:txBody>
+      </p:sp>
     </p:spTree>
     <p:extLst>
       <p:ext uri="{BB962C8B-B14F-4D97-AF65-F5344CB8AC3E}">
@@ -3412,7 +4134,7 @@
 </p:sld>
 </file>
 
-<file path=ppt/slides/slide5.xml><?xml version="1.0" encoding="utf-8"?>
+<file path=ppt/slides/slide7.xml><?xml version="1.0" encoding="utf-8"?>
 <p:sld xmlns:a="http://schemas.openxmlformats.org/drawingml/2006/main" xmlns:r="http://schemas.openxmlformats.org/officeDocument/2006/relationships" xmlns:p="http://schemas.openxmlformats.org/presentationml/2006/main">
   <p:cSld>
     <p:spTree>
